--- a/SHIFT4IT/css-introduction/css-introduction.pptx
+++ b/SHIFT4IT/css-introduction/css-introduction.pptx
@@ -4,11 +4,14 @@
   <p:sldMasterIdLst>
     <p:sldMasterId id="2147483648" r:id="rId1"/>
   </p:sldMasterIdLst>
+  <p:notesMasterIdLst>
+    <p:notesMasterId r:id="rId6"/>
+  </p:notesMasterIdLst>
   <p:sldIdLst>
     <p:sldId id="256" r:id="rId2"/>
-    <p:sldId id="257" r:id="rId3"/>
-    <p:sldId id="258" r:id="rId4"/>
-    <p:sldId id="259" r:id="rId5"/>
+    <p:sldId id="261" r:id="rId3"/>
+    <p:sldId id="260" r:id="rId4"/>
+    <p:sldId id="262" r:id="rId5"/>
   </p:sldIdLst>
   <p:sldSz cx="12192000" cy="6858000"/>
   <p:notesSz cx="6858000" cy="9144000"/>
@@ -115,6 +118,455 @@
 </p:presentation>
 </file>
 
+<file path=ppt/notesMasters/notesMaster1.xml><?xml version="1.0" encoding="utf-8"?>
+<p:notesMaster xmlns:a="http://schemas.openxmlformats.org/drawingml/2006/main" xmlns:r="http://schemas.openxmlformats.org/officeDocument/2006/relationships" xmlns:p="http://schemas.openxmlformats.org/presentationml/2006/main">
+  <p:cSld>
+    <p:bg>
+      <p:bgRef idx="1001">
+        <a:schemeClr val="bg1"/>
+      </p:bgRef>
+    </p:bg>
+    <p:spTree>
+      <p:nvGrpSpPr>
+        <p:cNvPr id="1" name=""/>
+        <p:cNvGrpSpPr/>
+        <p:nvPr/>
+      </p:nvGrpSpPr>
+      <p:grpSpPr>
+        <a:xfrm>
+          <a:off x="0" y="0"/>
+          <a:ext cx="0" cy="0"/>
+          <a:chOff x="0" y="0"/>
+          <a:chExt cx="0" cy="0"/>
+        </a:xfrm>
+      </p:grpSpPr>
+      <p:sp>
+        <p:nvSpPr>
+          <p:cNvPr id="2" name="Header Placeholder 1"/>
+          <p:cNvSpPr>
+            <a:spLocks noGrp="1"/>
+          </p:cNvSpPr>
+          <p:nvPr>
+            <p:ph type="hdr" sz="quarter"/>
+          </p:nvPr>
+        </p:nvSpPr>
+        <p:spPr>
+          <a:xfrm>
+            <a:off x="0" y="0"/>
+            <a:ext cx="2971800" cy="458788"/>
+          </a:xfrm>
+          <a:prstGeom prst="rect">
+            <a:avLst/>
+          </a:prstGeom>
+        </p:spPr>
+        <p:txBody>
+          <a:bodyPr vert="horz" lIns="91440" tIns="45720" rIns="91440" bIns="45720" rtlCol="0"/>
+          <a:lstStyle>
+            <a:lvl1pPr algn="l">
+              <a:defRPr sz="1200"/>
+            </a:lvl1pPr>
+          </a:lstStyle>
+          <a:p>
+            <a:endParaRPr lang="hr-HR"/>
+          </a:p>
+        </p:txBody>
+      </p:sp>
+      <p:sp>
+        <p:nvSpPr>
+          <p:cNvPr id="3" name="Date Placeholder 2"/>
+          <p:cNvSpPr>
+            <a:spLocks noGrp="1"/>
+          </p:cNvSpPr>
+          <p:nvPr>
+            <p:ph type="dt" idx="1"/>
+          </p:nvPr>
+        </p:nvSpPr>
+        <p:spPr>
+          <a:xfrm>
+            <a:off x="3884613" y="0"/>
+            <a:ext cx="2971800" cy="458788"/>
+          </a:xfrm>
+          <a:prstGeom prst="rect">
+            <a:avLst/>
+          </a:prstGeom>
+        </p:spPr>
+        <p:txBody>
+          <a:bodyPr vert="horz" lIns="91440" tIns="45720" rIns="91440" bIns="45720" rtlCol="0"/>
+          <a:lstStyle>
+            <a:lvl1pPr algn="r">
+              <a:defRPr sz="1200"/>
+            </a:lvl1pPr>
+          </a:lstStyle>
+          <a:p>
+            <a:fld id="{2C027FDF-D9AC-4497-8AF1-9347ACD4697E}" type="datetimeFigureOut">
+              <a:rPr lang="hr-HR" smtClean="0"/>
+              <a:t>5.3.2025.</a:t>
+            </a:fld>
+            <a:endParaRPr lang="hr-HR"/>
+          </a:p>
+        </p:txBody>
+      </p:sp>
+      <p:sp>
+        <p:nvSpPr>
+          <p:cNvPr id="4" name="Slide Image Placeholder 3"/>
+          <p:cNvSpPr>
+            <a:spLocks noGrp="1" noRot="1" noChangeAspect="1"/>
+          </p:cNvSpPr>
+          <p:nvPr>
+            <p:ph type="sldImg" idx="2"/>
+          </p:nvPr>
+        </p:nvSpPr>
+        <p:spPr>
+          <a:xfrm>
+            <a:off x="685800" y="1143000"/>
+            <a:ext cx="5486400" cy="3086100"/>
+          </a:xfrm>
+          <a:prstGeom prst="rect">
+            <a:avLst/>
+          </a:prstGeom>
+          <a:noFill/>
+          <a:ln w="12700">
+            <a:solidFill>
+              <a:prstClr val="black"/>
+            </a:solidFill>
+          </a:ln>
+        </p:spPr>
+        <p:txBody>
+          <a:bodyPr vert="horz" lIns="91440" tIns="45720" rIns="91440" bIns="45720" rtlCol="0" anchor="ctr"/>
+          <a:lstStyle/>
+          <a:p>
+            <a:endParaRPr lang="hr-HR"/>
+          </a:p>
+        </p:txBody>
+      </p:sp>
+      <p:sp>
+        <p:nvSpPr>
+          <p:cNvPr id="5" name="Notes Placeholder 4"/>
+          <p:cNvSpPr>
+            <a:spLocks noGrp="1"/>
+          </p:cNvSpPr>
+          <p:nvPr>
+            <p:ph type="body" sz="quarter" idx="3"/>
+          </p:nvPr>
+        </p:nvSpPr>
+        <p:spPr>
+          <a:xfrm>
+            <a:off x="685800" y="4400550"/>
+            <a:ext cx="5486400" cy="3600450"/>
+          </a:xfrm>
+          <a:prstGeom prst="rect">
+            <a:avLst/>
+          </a:prstGeom>
+        </p:spPr>
+        <p:txBody>
+          <a:bodyPr vert="horz" lIns="91440" tIns="45720" rIns="91440" bIns="45720" rtlCol="0"/>
+          <a:lstStyle/>
+          <a:p>
+            <a:pPr lvl="0"/>
+            <a:r>
+              <a:rPr lang="en-US"/>
+              <a:t>Click to edit Master text styles</a:t>
+            </a:r>
+          </a:p>
+          <a:p>
+            <a:pPr lvl="1"/>
+            <a:r>
+              <a:rPr lang="en-US"/>
+              <a:t>Second level</a:t>
+            </a:r>
+          </a:p>
+          <a:p>
+            <a:pPr lvl="2"/>
+            <a:r>
+              <a:rPr lang="en-US"/>
+              <a:t>Third level</a:t>
+            </a:r>
+          </a:p>
+          <a:p>
+            <a:pPr lvl="3"/>
+            <a:r>
+              <a:rPr lang="en-US"/>
+              <a:t>Fourth level</a:t>
+            </a:r>
+          </a:p>
+          <a:p>
+            <a:pPr lvl="4"/>
+            <a:r>
+              <a:rPr lang="en-US"/>
+              <a:t>Fifth level</a:t>
+            </a:r>
+            <a:endParaRPr lang="hr-HR"/>
+          </a:p>
+        </p:txBody>
+      </p:sp>
+      <p:sp>
+        <p:nvSpPr>
+          <p:cNvPr id="6" name="Footer Placeholder 5"/>
+          <p:cNvSpPr>
+            <a:spLocks noGrp="1"/>
+          </p:cNvSpPr>
+          <p:nvPr>
+            <p:ph type="ftr" sz="quarter" idx="4"/>
+          </p:nvPr>
+        </p:nvSpPr>
+        <p:spPr>
+          <a:xfrm>
+            <a:off x="0" y="8685213"/>
+            <a:ext cx="2971800" cy="458787"/>
+          </a:xfrm>
+          <a:prstGeom prst="rect">
+            <a:avLst/>
+          </a:prstGeom>
+        </p:spPr>
+        <p:txBody>
+          <a:bodyPr vert="horz" lIns="91440" tIns="45720" rIns="91440" bIns="45720" rtlCol="0" anchor="b"/>
+          <a:lstStyle>
+            <a:lvl1pPr algn="l">
+              <a:defRPr sz="1200"/>
+            </a:lvl1pPr>
+          </a:lstStyle>
+          <a:p>
+            <a:endParaRPr lang="hr-HR"/>
+          </a:p>
+        </p:txBody>
+      </p:sp>
+      <p:sp>
+        <p:nvSpPr>
+          <p:cNvPr id="7" name="Slide Number Placeholder 6"/>
+          <p:cNvSpPr>
+            <a:spLocks noGrp="1"/>
+          </p:cNvSpPr>
+          <p:nvPr>
+            <p:ph type="sldNum" sz="quarter" idx="5"/>
+          </p:nvPr>
+        </p:nvSpPr>
+        <p:spPr>
+          <a:xfrm>
+            <a:off x="3884613" y="8685213"/>
+            <a:ext cx="2971800" cy="458787"/>
+          </a:xfrm>
+          <a:prstGeom prst="rect">
+            <a:avLst/>
+          </a:prstGeom>
+        </p:spPr>
+        <p:txBody>
+          <a:bodyPr vert="horz" lIns="91440" tIns="45720" rIns="91440" bIns="45720" rtlCol="0" anchor="b"/>
+          <a:lstStyle>
+            <a:lvl1pPr algn="r">
+              <a:defRPr sz="1200"/>
+            </a:lvl1pPr>
+          </a:lstStyle>
+          <a:p>
+            <a:fld id="{90A064B2-EFF6-4760-BE09-0DEDA56827BE}" type="slidenum">
+              <a:rPr lang="hr-HR" smtClean="0"/>
+              <a:t>‹#›</a:t>
+            </a:fld>
+            <a:endParaRPr lang="hr-HR"/>
+          </a:p>
+        </p:txBody>
+      </p:sp>
+    </p:spTree>
+    <p:extLst>
+      <p:ext uri="{BB962C8B-B14F-4D97-AF65-F5344CB8AC3E}">
+        <p14:creationId xmlns:p14="http://schemas.microsoft.com/office/powerpoint/2010/main" val="1218592912"/>
+      </p:ext>
+    </p:extLst>
+  </p:cSld>
+  <p:clrMap bg1="lt1" tx1="dk1" bg2="lt2" tx2="dk2" accent1="accent1" accent2="accent2" accent3="accent3" accent4="accent4" accent5="accent5" accent6="accent6" hlink="hlink" folHlink="folHlink"/>
+  <p:notesStyle>
+    <a:lvl1pPr marL="0" algn="l" defTabSz="914400" rtl="0" eaLnBrk="1" latinLnBrk="0" hangingPunct="1">
+      <a:defRPr sz="1200" kern="1200">
+        <a:solidFill>
+          <a:schemeClr val="tx1"/>
+        </a:solidFill>
+        <a:latin typeface="+mn-lt"/>
+        <a:ea typeface="+mn-ea"/>
+        <a:cs typeface="+mn-cs"/>
+      </a:defRPr>
+    </a:lvl1pPr>
+    <a:lvl2pPr marL="457200" algn="l" defTabSz="914400" rtl="0" eaLnBrk="1" latinLnBrk="0" hangingPunct="1">
+      <a:defRPr sz="1200" kern="1200">
+        <a:solidFill>
+          <a:schemeClr val="tx1"/>
+        </a:solidFill>
+        <a:latin typeface="+mn-lt"/>
+        <a:ea typeface="+mn-ea"/>
+        <a:cs typeface="+mn-cs"/>
+      </a:defRPr>
+    </a:lvl2pPr>
+    <a:lvl3pPr marL="914400" algn="l" defTabSz="914400" rtl="0" eaLnBrk="1" latinLnBrk="0" hangingPunct="1">
+      <a:defRPr sz="1200" kern="1200">
+        <a:solidFill>
+          <a:schemeClr val="tx1"/>
+        </a:solidFill>
+        <a:latin typeface="+mn-lt"/>
+        <a:ea typeface="+mn-ea"/>
+        <a:cs typeface="+mn-cs"/>
+      </a:defRPr>
+    </a:lvl3pPr>
+    <a:lvl4pPr marL="1371600" algn="l" defTabSz="914400" rtl="0" eaLnBrk="1" latinLnBrk="0" hangingPunct="1">
+      <a:defRPr sz="1200" kern="1200">
+        <a:solidFill>
+          <a:schemeClr val="tx1"/>
+        </a:solidFill>
+        <a:latin typeface="+mn-lt"/>
+        <a:ea typeface="+mn-ea"/>
+        <a:cs typeface="+mn-cs"/>
+      </a:defRPr>
+    </a:lvl4pPr>
+    <a:lvl5pPr marL="1828800" algn="l" defTabSz="914400" rtl="0" eaLnBrk="1" latinLnBrk="0" hangingPunct="1">
+      <a:defRPr sz="1200" kern="1200">
+        <a:solidFill>
+          <a:schemeClr val="tx1"/>
+        </a:solidFill>
+        <a:latin typeface="+mn-lt"/>
+        <a:ea typeface="+mn-ea"/>
+        <a:cs typeface="+mn-cs"/>
+      </a:defRPr>
+    </a:lvl5pPr>
+    <a:lvl6pPr marL="2286000" algn="l" defTabSz="914400" rtl="0" eaLnBrk="1" latinLnBrk="0" hangingPunct="1">
+      <a:defRPr sz="1200" kern="1200">
+        <a:solidFill>
+          <a:schemeClr val="tx1"/>
+        </a:solidFill>
+        <a:latin typeface="+mn-lt"/>
+        <a:ea typeface="+mn-ea"/>
+        <a:cs typeface="+mn-cs"/>
+      </a:defRPr>
+    </a:lvl6pPr>
+    <a:lvl7pPr marL="2743200" algn="l" defTabSz="914400" rtl="0" eaLnBrk="1" latinLnBrk="0" hangingPunct="1">
+      <a:defRPr sz="1200" kern="1200">
+        <a:solidFill>
+          <a:schemeClr val="tx1"/>
+        </a:solidFill>
+        <a:latin typeface="+mn-lt"/>
+        <a:ea typeface="+mn-ea"/>
+        <a:cs typeface="+mn-cs"/>
+      </a:defRPr>
+    </a:lvl7pPr>
+    <a:lvl8pPr marL="3200400" algn="l" defTabSz="914400" rtl="0" eaLnBrk="1" latinLnBrk="0" hangingPunct="1">
+      <a:defRPr sz="1200" kern="1200">
+        <a:solidFill>
+          <a:schemeClr val="tx1"/>
+        </a:solidFill>
+        <a:latin typeface="+mn-lt"/>
+        <a:ea typeface="+mn-ea"/>
+        <a:cs typeface="+mn-cs"/>
+      </a:defRPr>
+    </a:lvl8pPr>
+    <a:lvl9pPr marL="3657600" algn="l" defTabSz="914400" rtl="0" eaLnBrk="1" latinLnBrk="0" hangingPunct="1">
+      <a:defRPr sz="1200" kern="1200">
+        <a:solidFill>
+          <a:schemeClr val="tx1"/>
+        </a:solidFill>
+        <a:latin typeface="+mn-lt"/>
+        <a:ea typeface="+mn-ea"/>
+        <a:cs typeface="+mn-cs"/>
+      </a:defRPr>
+    </a:lvl9pPr>
+  </p:notesStyle>
+</p:notesMaster>
+</file>
+
+<file path=ppt/notesSlides/notesSlide1.xml><?xml version="1.0" encoding="utf-8"?>
+<p:notes xmlns:a="http://schemas.openxmlformats.org/drawingml/2006/main" xmlns:r="http://schemas.openxmlformats.org/officeDocument/2006/relationships" xmlns:p="http://schemas.openxmlformats.org/presentationml/2006/main">
+  <p:cSld>
+    <p:spTree>
+      <p:nvGrpSpPr>
+        <p:cNvPr id="1" name=""/>
+        <p:cNvGrpSpPr/>
+        <p:nvPr/>
+      </p:nvGrpSpPr>
+      <p:grpSpPr>
+        <a:xfrm>
+          <a:off x="0" y="0"/>
+          <a:ext cx="0" cy="0"/>
+          <a:chOff x="0" y="0"/>
+          <a:chExt cx="0" cy="0"/>
+        </a:xfrm>
+      </p:grpSpPr>
+      <p:sp>
+        <p:nvSpPr>
+          <p:cNvPr id="2" name="Slide Image Placeholder 1"/>
+          <p:cNvSpPr>
+            <a:spLocks noGrp="1" noRot="1" noChangeAspect="1"/>
+          </p:cNvSpPr>
+          <p:nvPr>
+            <p:ph type="sldImg"/>
+          </p:nvPr>
+        </p:nvSpPr>
+        <p:spPr/>
+      </p:sp>
+      <p:sp>
+        <p:nvSpPr>
+          <p:cNvPr id="3" name="Notes Placeholder 2"/>
+          <p:cNvSpPr>
+            <a:spLocks noGrp="1"/>
+          </p:cNvSpPr>
+          <p:nvPr>
+            <p:ph type="body" idx="1"/>
+          </p:nvPr>
+        </p:nvSpPr>
+        <p:spPr/>
+        <p:txBody>
+          <a:bodyPr/>
+          <a:lstStyle/>
+          <a:p>
+            <a:r>
+              <a:rPr lang="en-US" dirty="0"/>
+              <a:t>https://dinoduvnjak.github.io/css-toogle/</a:t>
+            </a:r>
+          </a:p>
+          <a:p>
+            <a:endParaRPr lang="en-US" dirty="0"/>
+          </a:p>
+          <a:p>
+            <a:r>
+              <a:rPr lang="hr-HR" dirty="0"/>
+              <a:t>https://developer.mozilla.org/en-US/docs/MDN/Guides</a:t>
+            </a:r>
+          </a:p>
+          <a:p>
+            <a:endParaRPr lang="hr-HR" dirty="0"/>
+          </a:p>
+        </p:txBody>
+      </p:sp>
+      <p:sp>
+        <p:nvSpPr>
+          <p:cNvPr id="4" name="Slide Number Placeholder 3"/>
+          <p:cNvSpPr>
+            <a:spLocks noGrp="1"/>
+          </p:cNvSpPr>
+          <p:nvPr>
+            <p:ph type="sldNum" sz="quarter" idx="5"/>
+          </p:nvPr>
+        </p:nvSpPr>
+        <p:spPr/>
+        <p:txBody>
+          <a:bodyPr/>
+          <a:lstStyle/>
+          <a:p>
+            <a:fld id="{90A064B2-EFF6-4760-BE09-0DEDA56827BE}" type="slidenum">
+              <a:rPr lang="hr-HR" smtClean="0"/>
+              <a:t>4</a:t>
+            </a:fld>
+            <a:endParaRPr lang="hr-HR"/>
+          </a:p>
+        </p:txBody>
+      </p:sp>
+    </p:spTree>
+    <p:extLst>
+      <p:ext uri="{BB962C8B-B14F-4D97-AF65-F5344CB8AC3E}">
+        <p14:creationId xmlns:p14="http://schemas.microsoft.com/office/powerpoint/2010/main" val="615004433"/>
+      </p:ext>
+    </p:extLst>
+  </p:cSld>
+  <p:clrMapOvr>
+    <a:masterClrMapping/>
+  </p:clrMapOvr>
+</p:notes>
+</file>
+
 <file path=ppt/slideLayouts/slideLayout1.xml><?xml version="1.0" encoding="utf-8"?>
 <p:sldLayout xmlns:a="http://schemas.openxmlformats.org/drawingml/2006/main" xmlns:r="http://schemas.openxmlformats.org/officeDocument/2006/relationships" xmlns:p="http://schemas.openxmlformats.org/presentationml/2006/main" type="title" preserve="1">
   <p:cSld name="Naslovni slajd">
@@ -2338,7 +2790,7 @@
           <a:p>
             <a:fld id="{6963B997-549E-41F4-A1E4-B0CF42B49EF1}" type="datetimeFigureOut">
               <a:rPr lang="hr-HR" smtClean="0"/>
-              <a:t>21.2.2025.</a:t>
+              <a:t>5.3.2025.</a:t>
             </a:fld>
             <a:endParaRPr lang="hr-HR"/>
           </a:p>
@@ -2781,7 +3233,7 @@
           <a:p>
             <a:r>
               <a:rPr lang="en-US" dirty="0"/>
-              <a:t>HTML-introduction</a:t>
+              <a:t>CSS</a:t>
             </a:r>
             <a:endParaRPr lang="hr-HR" dirty="0"/>
           </a:p>
@@ -2810,9 +3262,8 @@
           <a:p>
             <a:r>
               <a:rPr lang="en-US" dirty="0"/>
-              <a:t>Basic of the HTML files</a:t>
-            </a:r>
-            <a:endParaRPr lang="hr-HR" dirty="0"/>
+              <a:t>Website stylization</a:t>
+            </a:r>
           </a:p>
         </p:txBody>
       </p:sp>
@@ -2837,7 +3288,7 @@
         <p:cNvPr id="1" name="">
           <a:extLst>
             <a:ext uri="{FF2B5EF4-FFF2-40B4-BE49-F238E27FC236}">
-              <a16:creationId xmlns:a16="http://schemas.microsoft.com/office/drawing/2014/main" id="{D63E3190-17C7-CA95-31E2-CDC8569C479C}"/>
+              <a16:creationId xmlns:a16="http://schemas.microsoft.com/office/drawing/2014/main" id="{47C6D607-80CA-12EE-36FE-B5235F2A9160}"/>
             </a:ext>
           </a:extLst>
         </p:cNvPr>
@@ -2854,10 +3305,68 @@
       </p:grpSpPr>
       <p:sp>
         <p:nvSpPr>
-          <p:cNvPr id="8" name="Title 2">
-            <a:extLst>
-              <a:ext uri="{FF2B5EF4-FFF2-40B4-BE49-F238E27FC236}">
-                <a16:creationId xmlns:a16="http://schemas.microsoft.com/office/drawing/2014/main" id="{8F090C4A-A0DA-E179-A3C6-5607F117A4F7}"/>
+          <p:cNvPr id="3" name="Title 2">
+            <a:extLst>
+              <a:ext uri="{FF2B5EF4-FFF2-40B4-BE49-F238E27FC236}">
+                <a16:creationId xmlns:a16="http://schemas.microsoft.com/office/drawing/2014/main" id="{20DE23B6-06B6-B6AB-4FA1-F10769E2350B}"/>
+              </a:ext>
+            </a:extLst>
+          </p:cNvPr>
+          <p:cNvSpPr>
+            <a:spLocks noGrp="1"/>
+          </p:cNvSpPr>
+          <p:nvPr>
+            <p:ph type="title"/>
+          </p:nvPr>
+        </p:nvSpPr>
+        <p:spPr/>
+        <p:txBody>
+          <a:bodyPr/>
+          <a:lstStyle/>
+          <a:p>
+            <a:r>
+              <a:rPr lang="hr-HR" dirty="0"/>
+              <a:t>CSS</a:t>
+            </a:r>
+          </a:p>
+        </p:txBody>
+      </p:sp>
+      <p:pic>
+        <p:nvPicPr>
+          <p:cNvPr id="7" name="Picture 6" descr="A diagram of a waterfall&#10;&#10;AI-generated content may be incorrect.">
+            <a:extLst>
+              <a:ext uri="{FF2B5EF4-FFF2-40B4-BE49-F238E27FC236}">
+                <a16:creationId xmlns:a16="http://schemas.microsoft.com/office/drawing/2014/main" id="{603B6D00-BDB6-E788-47E6-FD9D5A7B1032}"/>
+              </a:ext>
+            </a:extLst>
+          </p:cNvPr>
+          <p:cNvPicPr>
+            <a:picLocks noChangeAspect="1"/>
+          </p:cNvPicPr>
+          <p:nvPr/>
+        </p:nvPicPr>
+        <p:blipFill>
+          <a:blip r:embed="rId2"/>
+          <a:srcRect l="21703" r="4989" b="-1"/>
+          <a:stretch/>
+        </p:blipFill>
+        <p:spPr>
+          <a:xfrm>
+            <a:off x="6988923" y="2140561"/>
+            <a:ext cx="4251487" cy="3885700"/>
+          </a:xfrm>
+          <a:prstGeom prst="rect">
+            <a:avLst/>
+          </a:prstGeom>
+          <a:noFill/>
+        </p:spPr>
+      </p:pic>
+      <p:sp>
+        <p:nvSpPr>
+          <p:cNvPr id="4" name="Content Placeholder 1">
+            <a:extLst>
+              <a:ext uri="{FF2B5EF4-FFF2-40B4-BE49-F238E27FC236}">
+                <a16:creationId xmlns:a16="http://schemas.microsoft.com/office/drawing/2014/main" id="{935FDEC7-BB16-C28F-217D-312D1F52632F}"/>
               </a:ext>
             </a:extLst>
           </p:cNvPr>
@@ -2868,420 +3377,7 @@
         </p:nvSpPr>
         <p:spPr>
           <a:xfrm>
-            <a:off x="4745959" y="405903"/>
-            <a:ext cx="7008952" cy="838735"/>
-          </a:xfrm>
-          <a:prstGeom prst="rect">
-            <a:avLst/>
-          </a:prstGeom>
-        </p:spPr>
-        <p:txBody>
-          <a:bodyPr vert="horz" lIns="91440" tIns="45720" rIns="91440" bIns="45720" rtlCol="0" anchor="ctr">
-            <a:normAutofit fontScale="70000" lnSpcReduction="20000"/>
-          </a:bodyPr>
-          <a:lstStyle>
-            <a:lvl1pPr algn="r" defTabSz="914400" rtl="0" eaLnBrk="1" latinLnBrk="0" hangingPunct="1">
-              <a:lnSpc>
-                <a:spcPct val="90000"/>
-              </a:lnSpc>
-              <a:spcBef>
-                <a:spcPct val="0"/>
-              </a:spcBef>
-              <a:buNone/>
-              <a:defRPr sz="6000" kern="1200">
-                <a:solidFill>
-                  <a:schemeClr val="tx1"/>
-                </a:solidFill>
-                <a:latin typeface="Montserrat" panose="00000500000000000000" pitchFamily="2" charset="-18"/>
-                <a:ea typeface="+mj-ea"/>
-                <a:cs typeface="+mj-cs"/>
-              </a:defRPr>
-            </a:lvl1pPr>
-          </a:lstStyle>
-          <a:p>
-            <a:r>
-              <a:rPr lang="hr-HR" b="1" dirty="0"/>
-              <a:t>HOW WEBSITES WORK</a:t>
-            </a:r>
-            <a:endParaRPr lang="en-US" dirty="0"/>
-          </a:p>
-        </p:txBody>
-      </p:sp>
-      <p:sp>
-        <p:nvSpPr>
-          <p:cNvPr id="9" name="Content Placeholder 1">
-            <a:extLst>
-              <a:ext uri="{FF2B5EF4-FFF2-40B4-BE49-F238E27FC236}">
-                <a16:creationId xmlns:a16="http://schemas.microsoft.com/office/drawing/2014/main" id="{383C44E6-FDCF-3AD2-BFDB-205E732D3B35}"/>
-              </a:ext>
-            </a:extLst>
-          </p:cNvPr>
-          <p:cNvSpPr txBox="1">
-            <a:spLocks/>
-          </p:cNvSpPr>
-          <p:nvPr/>
-        </p:nvSpPr>
-        <p:spPr>
-          <a:xfrm>
-            <a:off x="3255785" y="1998297"/>
-            <a:ext cx="4060688" cy="3131775"/>
-          </a:xfrm>
-          <a:prstGeom prst="rect">
-            <a:avLst/>
-          </a:prstGeom>
-        </p:spPr>
-        <p:txBody>
-          <a:bodyPr vert="horz" lIns="91440" tIns="45720" rIns="91440" bIns="45720" rtlCol="0">
-            <a:normAutofit fontScale="92500" lnSpcReduction="20000"/>
-          </a:bodyPr>
-          <a:lstStyle>
-            <a:lvl1pPr marL="0" indent="0" algn="r" defTabSz="914400" rtl="0" eaLnBrk="1" latinLnBrk="0" hangingPunct="1">
-              <a:lnSpc>
-                <a:spcPct val="90000"/>
-              </a:lnSpc>
-              <a:spcBef>
-                <a:spcPts val="1000"/>
-              </a:spcBef>
-              <a:buFont typeface="Arial" panose="020B0604020202020204" pitchFamily="34" charset="0"/>
-              <a:buNone/>
-              <a:defRPr sz="2400" kern="1200">
-                <a:solidFill>
-                  <a:schemeClr val="tx1"/>
-                </a:solidFill>
-                <a:latin typeface="Montserrat" panose="00000500000000000000" pitchFamily="2" charset="-18"/>
-                <a:ea typeface="+mn-ea"/>
-                <a:cs typeface="+mn-cs"/>
-              </a:defRPr>
-            </a:lvl1pPr>
-            <a:lvl2pPr marL="457200" indent="0" algn="ctr" defTabSz="914400" rtl="0" eaLnBrk="1" latinLnBrk="0" hangingPunct="1">
-              <a:lnSpc>
-                <a:spcPct val="90000"/>
-              </a:lnSpc>
-              <a:spcBef>
-                <a:spcPts val="500"/>
-              </a:spcBef>
-              <a:buFont typeface="Arial" panose="020B0604020202020204" pitchFamily="34" charset="0"/>
-              <a:buNone/>
-              <a:defRPr sz="2000" kern="1200">
-                <a:solidFill>
-                  <a:schemeClr val="tx1"/>
-                </a:solidFill>
-                <a:latin typeface="+mn-lt"/>
-                <a:ea typeface="+mn-ea"/>
-                <a:cs typeface="+mn-cs"/>
-              </a:defRPr>
-            </a:lvl2pPr>
-            <a:lvl3pPr marL="914400" indent="0" algn="ctr" defTabSz="914400" rtl="0" eaLnBrk="1" latinLnBrk="0" hangingPunct="1">
-              <a:lnSpc>
-                <a:spcPct val="90000"/>
-              </a:lnSpc>
-              <a:spcBef>
-                <a:spcPts val="500"/>
-              </a:spcBef>
-              <a:buFont typeface="Arial" panose="020B0604020202020204" pitchFamily="34" charset="0"/>
-              <a:buNone/>
-              <a:defRPr sz="1800" kern="1200">
-                <a:solidFill>
-                  <a:schemeClr val="tx1"/>
-                </a:solidFill>
-                <a:latin typeface="+mn-lt"/>
-                <a:ea typeface="+mn-ea"/>
-                <a:cs typeface="+mn-cs"/>
-              </a:defRPr>
-            </a:lvl3pPr>
-            <a:lvl4pPr marL="1371600" indent="0" algn="ctr" defTabSz="914400" rtl="0" eaLnBrk="1" latinLnBrk="0" hangingPunct="1">
-              <a:lnSpc>
-                <a:spcPct val="90000"/>
-              </a:lnSpc>
-              <a:spcBef>
-                <a:spcPts val="500"/>
-              </a:spcBef>
-              <a:buFont typeface="Arial" panose="020B0604020202020204" pitchFamily="34" charset="0"/>
-              <a:buNone/>
-              <a:defRPr sz="1600" kern="1200">
-                <a:solidFill>
-                  <a:schemeClr val="tx1"/>
-                </a:solidFill>
-                <a:latin typeface="+mn-lt"/>
-                <a:ea typeface="+mn-ea"/>
-                <a:cs typeface="+mn-cs"/>
-              </a:defRPr>
-            </a:lvl4pPr>
-            <a:lvl5pPr marL="1828800" indent="0" algn="ctr" defTabSz="914400" rtl="0" eaLnBrk="1" latinLnBrk="0" hangingPunct="1">
-              <a:lnSpc>
-                <a:spcPct val="90000"/>
-              </a:lnSpc>
-              <a:spcBef>
-                <a:spcPts val="500"/>
-              </a:spcBef>
-              <a:buFont typeface="Arial" panose="020B0604020202020204" pitchFamily="34" charset="0"/>
-              <a:buNone/>
-              <a:defRPr sz="1600" kern="1200">
-                <a:solidFill>
-                  <a:schemeClr val="tx1"/>
-                </a:solidFill>
-                <a:latin typeface="+mn-lt"/>
-                <a:ea typeface="+mn-ea"/>
-                <a:cs typeface="+mn-cs"/>
-              </a:defRPr>
-            </a:lvl5pPr>
-            <a:lvl6pPr marL="2286000" indent="0" algn="ctr" defTabSz="914400" rtl="0" eaLnBrk="1" latinLnBrk="0" hangingPunct="1">
-              <a:lnSpc>
-                <a:spcPct val="90000"/>
-              </a:lnSpc>
-              <a:spcBef>
-                <a:spcPts val="500"/>
-              </a:spcBef>
-              <a:buFont typeface="Arial" panose="020B0604020202020204" pitchFamily="34" charset="0"/>
-              <a:buNone/>
-              <a:defRPr sz="1600" kern="1200">
-                <a:solidFill>
-                  <a:schemeClr val="tx1"/>
-                </a:solidFill>
-                <a:latin typeface="+mn-lt"/>
-                <a:ea typeface="+mn-ea"/>
-                <a:cs typeface="+mn-cs"/>
-              </a:defRPr>
-            </a:lvl6pPr>
-            <a:lvl7pPr marL="2743200" indent="0" algn="ctr" defTabSz="914400" rtl="0" eaLnBrk="1" latinLnBrk="0" hangingPunct="1">
-              <a:lnSpc>
-                <a:spcPct val="90000"/>
-              </a:lnSpc>
-              <a:spcBef>
-                <a:spcPts val="500"/>
-              </a:spcBef>
-              <a:buFont typeface="Arial" panose="020B0604020202020204" pitchFamily="34" charset="0"/>
-              <a:buNone/>
-              <a:defRPr sz="1600" kern="1200">
-                <a:solidFill>
-                  <a:schemeClr val="tx1"/>
-                </a:solidFill>
-                <a:latin typeface="+mn-lt"/>
-                <a:ea typeface="+mn-ea"/>
-                <a:cs typeface="+mn-cs"/>
-              </a:defRPr>
-            </a:lvl7pPr>
-            <a:lvl8pPr marL="3200400" indent="0" algn="ctr" defTabSz="914400" rtl="0" eaLnBrk="1" latinLnBrk="0" hangingPunct="1">
-              <a:lnSpc>
-                <a:spcPct val="90000"/>
-              </a:lnSpc>
-              <a:spcBef>
-                <a:spcPts val="500"/>
-              </a:spcBef>
-              <a:buFont typeface="Arial" panose="020B0604020202020204" pitchFamily="34" charset="0"/>
-              <a:buNone/>
-              <a:defRPr sz="1600" kern="1200">
-                <a:solidFill>
-                  <a:schemeClr val="tx1"/>
-                </a:solidFill>
-                <a:latin typeface="+mn-lt"/>
-                <a:ea typeface="+mn-ea"/>
-                <a:cs typeface="+mn-cs"/>
-              </a:defRPr>
-            </a:lvl8pPr>
-            <a:lvl9pPr marL="3657600" indent="0" algn="ctr" defTabSz="914400" rtl="0" eaLnBrk="1" latinLnBrk="0" hangingPunct="1">
-              <a:lnSpc>
-                <a:spcPct val="90000"/>
-              </a:lnSpc>
-              <a:spcBef>
-                <a:spcPts val="500"/>
-              </a:spcBef>
-              <a:buFont typeface="Arial" panose="020B0604020202020204" pitchFamily="34" charset="0"/>
-              <a:buNone/>
-              <a:defRPr sz="1600" kern="1200">
-                <a:solidFill>
-                  <a:schemeClr val="tx1"/>
-                </a:solidFill>
-                <a:latin typeface="+mn-lt"/>
-                <a:ea typeface="+mn-ea"/>
-                <a:cs typeface="+mn-cs"/>
-              </a:defRPr>
-            </a:lvl9pPr>
-          </a:lstStyle>
-          <a:p>
-            <a:pPr algn="l"/>
-            <a:r>
-              <a:rPr lang="hr-HR" sz="1400" dirty="0"/>
-              <a:t> 👉 </a:t>
-            </a:r>
-            <a:r>
-              <a:rPr lang="en-US" sz="1900" b="1" dirty="0"/>
-              <a:t>HTML (Content) -</a:t>
-            </a:r>
-            <a:r>
-              <a:rPr lang="en-US" sz="1900" dirty="0"/>
-              <a:t> The structure of a web page (text, images, buttons).
-</a:t>
-            </a:r>
-            <a:r>
-              <a:rPr lang="hr-HR" sz="2000" dirty="0"/>
-              <a:t> 👉 </a:t>
-            </a:r>
-            <a:r>
-              <a:rPr lang="en-US" sz="1900" b="1" dirty="0"/>
-              <a:t>CSS (Styles)</a:t>
-            </a:r>
-            <a:r>
-              <a:rPr lang="en-US" sz="1900" dirty="0"/>
-              <a:t> -  Defines the layout (colors, fonts, arrangement of elements).
-</a:t>
-            </a:r>
-            <a:r>
-              <a:rPr lang="hr-HR" sz="2000" dirty="0"/>
-              <a:t> 👉 </a:t>
-            </a:r>
-            <a:r>
-              <a:rPr lang="en-US" sz="1900" b="1" dirty="0"/>
-              <a:t>JavaScript (Functionality)</a:t>
-            </a:r>
-            <a:r>
-              <a:rPr lang="en-US" sz="1900" dirty="0"/>
-              <a:t>- Adds interactivity (click events, animations, form validation).
-The browser interprets and displays these files to display the web page.</a:t>
-            </a:r>
-          </a:p>
-        </p:txBody>
-      </p:sp>
-      <p:pic>
-        <p:nvPicPr>
-          <p:cNvPr id="10" name="Picture Placeholder 8" descr="A screenshot of a computer&#10;&#10;AI-generated content may be incorrect.">
-            <a:extLst>
-              <a:ext uri="{FF2B5EF4-FFF2-40B4-BE49-F238E27FC236}">
-                <a16:creationId xmlns:a16="http://schemas.microsoft.com/office/drawing/2014/main" id="{E774AB8F-E732-4F09-43DC-F9FFD781182E}"/>
-              </a:ext>
-            </a:extLst>
-          </p:cNvPr>
-          <p:cNvPicPr>
-            <a:picLocks noChangeAspect="1"/>
-          </p:cNvPicPr>
-          <p:nvPr/>
-        </p:nvPicPr>
-        <p:blipFill>
-          <a:blip r:embed="rId2"/>
-          <a:stretch>
-            <a:fillRect/>
-          </a:stretch>
-        </p:blipFill>
-        <p:spPr>
-          <a:xfrm>
-            <a:off x="8069456" y="2499418"/>
-            <a:ext cx="3451984" cy="1734622"/>
-          </a:xfrm>
-          <a:prstGeom prst="rect">
-            <a:avLst/>
-          </a:prstGeom>
-          <a:noFill/>
-        </p:spPr>
-      </p:pic>
-    </p:spTree>
-    <p:extLst>
-      <p:ext uri="{BB962C8B-B14F-4D97-AF65-F5344CB8AC3E}">
-        <p14:creationId xmlns:p14="http://schemas.microsoft.com/office/powerpoint/2010/main" val="642364325"/>
-      </p:ext>
-    </p:extLst>
-  </p:cSld>
-  <p:clrMapOvr>
-    <a:masterClrMapping/>
-  </p:clrMapOvr>
-</p:sld>
-</file>
-
-<file path=ppt/slides/slide3.xml><?xml version="1.0" encoding="utf-8"?>
-<p:sld xmlns:a="http://schemas.openxmlformats.org/drawingml/2006/main" xmlns:r="http://schemas.openxmlformats.org/officeDocument/2006/relationships" xmlns:p="http://schemas.openxmlformats.org/presentationml/2006/main">
-  <p:cSld>
-    <p:spTree>
-      <p:nvGrpSpPr>
-        <p:cNvPr id="1" name="">
-          <a:extLst>
-            <a:ext uri="{FF2B5EF4-FFF2-40B4-BE49-F238E27FC236}">
-              <a16:creationId xmlns:a16="http://schemas.microsoft.com/office/drawing/2014/main" id="{EF60B568-4258-4BF2-E04A-F3D57693FF6B}"/>
-            </a:ext>
-          </a:extLst>
-        </p:cNvPr>
-        <p:cNvGrpSpPr/>
-        <p:nvPr/>
-      </p:nvGrpSpPr>
-      <p:grpSpPr>
-        <a:xfrm>
-          <a:off x="0" y="0"/>
-          <a:ext cx="0" cy="0"/>
-          <a:chOff x="0" y="0"/>
-          <a:chExt cx="0" cy="0"/>
-        </a:xfrm>
-      </p:grpSpPr>
-      <p:sp>
-        <p:nvSpPr>
-          <p:cNvPr id="8" name="Title 2">
-            <a:extLst>
-              <a:ext uri="{FF2B5EF4-FFF2-40B4-BE49-F238E27FC236}">
-                <a16:creationId xmlns:a16="http://schemas.microsoft.com/office/drawing/2014/main" id="{C78041E5-4B0B-3360-6507-F2C1F3A8CF5F}"/>
-              </a:ext>
-            </a:extLst>
-          </p:cNvPr>
-          <p:cNvSpPr txBox="1">
-            <a:spLocks/>
-          </p:cNvSpPr>
-          <p:nvPr/>
-        </p:nvSpPr>
-        <p:spPr>
-          <a:xfrm>
-            <a:off x="4745959" y="405903"/>
-            <a:ext cx="7008952" cy="838735"/>
-          </a:xfrm>
-          <a:prstGeom prst="rect">
-            <a:avLst/>
-          </a:prstGeom>
-        </p:spPr>
-        <p:txBody>
-          <a:bodyPr vert="horz" lIns="91440" tIns="45720" rIns="91440" bIns="45720" rtlCol="0" anchor="ctr">
-            <a:normAutofit fontScale="92500" lnSpcReduction="10000"/>
-          </a:bodyPr>
-          <a:lstStyle>
-            <a:lvl1pPr algn="r" defTabSz="914400" rtl="0" eaLnBrk="1" latinLnBrk="0" hangingPunct="1">
-              <a:lnSpc>
-                <a:spcPct val="90000"/>
-              </a:lnSpc>
-              <a:spcBef>
-                <a:spcPct val="0"/>
-              </a:spcBef>
-              <a:buNone/>
-              <a:defRPr sz="6000" kern="1200">
-                <a:solidFill>
-                  <a:schemeClr val="tx1"/>
-                </a:solidFill>
-                <a:latin typeface="Montserrat" panose="00000500000000000000" pitchFamily="2" charset="-18"/>
-                <a:ea typeface="+mj-ea"/>
-                <a:cs typeface="+mj-cs"/>
-              </a:defRPr>
-            </a:lvl1pPr>
-          </a:lstStyle>
-          <a:p>
-            <a:pPr algn="l"/>
-            <a:r>
-              <a:rPr lang="en-US" b="1" dirty="0"/>
-              <a:t>CSS</a:t>
-            </a:r>
-            <a:endParaRPr lang="en-US" dirty="0"/>
-          </a:p>
-        </p:txBody>
-      </p:sp>
-      <p:sp>
-        <p:nvSpPr>
-          <p:cNvPr id="9" name="Content Placeholder 1">
-            <a:extLst>
-              <a:ext uri="{FF2B5EF4-FFF2-40B4-BE49-F238E27FC236}">
-                <a16:creationId xmlns:a16="http://schemas.microsoft.com/office/drawing/2014/main" id="{FB11E699-C4BC-5D22-5183-A78C642F973A}"/>
-              </a:ext>
-            </a:extLst>
-          </p:cNvPr>
-          <p:cNvSpPr txBox="1">
-            <a:spLocks/>
-          </p:cNvSpPr>
-          <p:nvPr/>
-        </p:nvSpPr>
-        <p:spPr>
-          <a:xfrm>
-            <a:off x="3255785" y="1998297"/>
+            <a:off x="1719871" y="2465991"/>
             <a:ext cx="4060688" cy="3131775"/>
           </a:xfrm>
           <a:prstGeom prst="rect">
@@ -3461,21 +3557,24 @@
             <a:r>
               <a:rPr lang="en-US" sz="1400" dirty="0"/>
               <a:t>CSS is an acronym for Cascading Style Sheets.
-💡 What do you mean by "cascading"?</a:t>
+💡 What do you mean by "cascading"?
+</a:t>
             </a:r>
             <a:br>
               <a:rPr lang="en-US" sz="1400" dirty="0"/>
             </a:br>
             <a:r>
               <a:rPr lang="en-US" sz="1400" dirty="0"/>
-              <a:t>👉 Let's imagine a waterfall – water flows from one level to another.</a:t>
+              <a:t>👉 Let's imagine a waterfall – water flows from one level to another.
+</a:t>
             </a:r>
             <a:br>
               <a:rPr lang="en-US" sz="1400" dirty="0"/>
             </a:br>
             <a:r>
               <a:rPr lang="en-US" sz="1400" dirty="0"/>
-              <a:t>👉 Also, CSS styles are applied from the most general to the most specific rules.</a:t>
+              <a:t>👉 Also, CSS styles are applied from the most general to the most specific rules.
+</a:t>
             </a:r>
             <a:br>
               <a:rPr lang="en-US" sz="1400" dirty="0"/>
@@ -3484,44 +3583,13 @@
               <a:rPr lang="en-US" sz="1400" dirty="0"/>
               <a:t>👉 This allows for design control and flexibility. Tables).</a:t>
             </a:r>
-            <a:endParaRPr lang="hr-HR" sz="1400" dirty="0"/>
           </a:p>
         </p:txBody>
       </p:sp>
-      <p:pic>
-        <p:nvPicPr>
-          <p:cNvPr id="2" name="Picture 1" descr="A diagram of a waterfall&#10;&#10;AI-generated content may be incorrect.">
-            <a:extLst>
-              <a:ext uri="{FF2B5EF4-FFF2-40B4-BE49-F238E27FC236}">
-                <a16:creationId xmlns:a16="http://schemas.microsoft.com/office/drawing/2014/main" id="{DCC465BF-8C70-16FB-EDBA-BB503B73216B}"/>
-              </a:ext>
-            </a:extLst>
-          </p:cNvPr>
-          <p:cNvPicPr>
-            <a:picLocks noChangeAspect="1"/>
-          </p:cNvPicPr>
-          <p:nvPr/>
-        </p:nvPicPr>
-        <p:blipFill>
-          <a:blip r:embed="rId2"/>
-          <a:srcRect l="21703" r="4989" b="-1"/>
-          <a:stretch/>
-        </p:blipFill>
-        <p:spPr>
-          <a:xfrm>
-            <a:off x="7586648" y="1449012"/>
-            <a:ext cx="4251487" cy="3885700"/>
-          </a:xfrm>
-          <a:prstGeom prst="rect">
-            <a:avLst/>
-          </a:prstGeom>
-          <a:noFill/>
-        </p:spPr>
-      </p:pic>
     </p:spTree>
     <p:extLst>
       <p:ext uri="{BB962C8B-B14F-4D97-AF65-F5344CB8AC3E}">
-        <p14:creationId xmlns:p14="http://schemas.microsoft.com/office/powerpoint/2010/main" val="2349870691"/>
+        <p14:creationId xmlns:p14="http://schemas.microsoft.com/office/powerpoint/2010/main" val="1767956301"/>
       </p:ext>
     </p:extLst>
   </p:cSld>
@@ -3531,18 +3599,12 @@
 </p:sld>
 </file>
 
-<file path=ppt/slides/slide4.xml><?xml version="1.0" encoding="utf-8"?>
+<file path=ppt/slides/slide3.xml><?xml version="1.0" encoding="utf-8"?>
 <p:sld xmlns:a="http://schemas.openxmlformats.org/drawingml/2006/main" xmlns:r="http://schemas.openxmlformats.org/officeDocument/2006/relationships" xmlns:p="http://schemas.openxmlformats.org/presentationml/2006/main">
   <p:cSld>
     <p:spTree>
       <p:nvGrpSpPr>
-        <p:cNvPr id="1" name="">
-          <a:extLst>
-            <a:ext uri="{FF2B5EF4-FFF2-40B4-BE49-F238E27FC236}">
-              <a16:creationId xmlns:a16="http://schemas.microsoft.com/office/drawing/2014/main" id="{06DB17DC-63C5-B1F4-17CA-36125B780F50}"/>
-            </a:ext>
-          </a:extLst>
-        </p:cNvPr>
+        <p:cNvPr id="1" name=""/>
         <p:cNvGrpSpPr/>
         <p:nvPr/>
       </p:nvGrpSpPr>
@@ -3556,10 +3618,38 @@
       </p:grpSpPr>
       <p:sp>
         <p:nvSpPr>
-          <p:cNvPr id="8" name="Title 2">
-            <a:extLst>
-              <a:ext uri="{FF2B5EF4-FFF2-40B4-BE49-F238E27FC236}">
-                <a16:creationId xmlns:a16="http://schemas.microsoft.com/office/drawing/2014/main" id="{F08175FA-3A91-FD7F-843F-2C4DA4D36900}"/>
+          <p:cNvPr id="3" name="Title 2">
+            <a:extLst>
+              <a:ext uri="{FF2B5EF4-FFF2-40B4-BE49-F238E27FC236}">
+                <a16:creationId xmlns:a16="http://schemas.microsoft.com/office/drawing/2014/main" id="{9E324A17-BA10-734E-740B-BA9638565983}"/>
+              </a:ext>
+            </a:extLst>
+          </p:cNvPr>
+          <p:cNvSpPr>
+            <a:spLocks noGrp="1"/>
+          </p:cNvSpPr>
+          <p:nvPr>
+            <p:ph type="title"/>
+          </p:nvPr>
+        </p:nvSpPr>
+        <p:spPr/>
+        <p:txBody>
+          <a:bodyPr/>
+          <a:lstStyle/>
+          <a:p>
+            <a:r>
+              <a:rPr lang="hr-HR" dirty="0"/>
+              <a:t>CSS</a:t>
+            </a:r>
+          </a:p>
+        </p:txBody>
+      </p:sp>
+      <p:sp>
+        <p:nvSpPr>
+          <p:cNvPr id="5" name="Content Placeholder 1">
+            <a:extLst>
+              <a:ext uri="{FF2B5EF4-FFF2-40B4-BE49-F238E27FC236}">
+                <a16:creationId xmlns:a16="http://schemas.microsoft.com/office/drawing/2014/main" id="{54561686-7C66-04E0-EDCE-A414543A97E1}"/>
               </a:ext>
             </a:extLst>
           </p:cNvPr>
@@ -3570,63 +3660,7 @@
         </p:nvSpPr>
         <p:spPr>
           <a:xfrm>
-            <a:off x="4745959" y="405903"/>
-            <a:ext cx="7008952" cy="838735"/>
-          </a:xfrm>
-          <a:prstGeom prst="rect">
-            <a:avLst/>
-          </a:prstGeom>
-        </p:spPr>
-        <p:txBody>
-          <a:bodyPr vert="horz" lIns="91440" tIns="45720" rIns="91440" bIns="45720" rtlCol="0" anchor="ctr">
-            <a:normAutofit fontScale="92500" lnSpcReduction="10000"/>
-          </a:bodyPr>
-          <a:lstStyle>
-            <a:lvl1pPr algn="r" defTabSz="914400" rtl="0" eaLnBrk="1" latinLnBrk="0" hangingPunct="1">
-              <a:lnSpc>
-                <a:spcPct val="90000"/>
-              </a:lnSpc>
-              <a:spcBef>
-                <a:spcPct val="0"/>
-              </a:spcBef>
-              <a:buNone/>
-              <a:defRPr sz="6000" kern="1200">
-                <a:solidFill>
-                  <a:schemeClr val="tx1"/>
-                </a:solidFill>
-                <a:latin typeface="Montserrat" panose="00000500000000000000" pitchFamily="2" charset="-18"/>
-                <a:ea typeface="+mj-ea"/>
-                <a:cs typeface="+mj-cs"/>
-              </a:defRPr>
-            </a:lvl1pPr>
-          </a:lstStyle>
-          <a:p>
-            <a:pPr algn="l"/>
-            <a:r>
-              <a:rPr lang="en-US" b="1" dirty="0"/>
-              <a:t>CSS</a:t>
-            </a:r>
-            <a:endParaRPr lang="en-US" dirty="0"/>
-          </a:p>
-        </p:txBody>
-      </p:sp>
-      <p:sp>
-        <p:nvSpPr>
-          <p:cNvPr id="9" name="Content Placeholder 1">
-            <a:extLst>
-              <a:ext uri="{FF2B5EF4-FFF2-40B4-BE49-F238E27FC236}">
-                <a16:creationId xmlns:a16="http://schemas.microsoft.com/office/drawing/2014/main" id="{CEF1A5B1-F52D-AA08-C713-31926B08541D}"/>
-              </a:ext>
-            </a:extLst>
-          </p:cNvPr>
-          <p:cNvSpPr txBox="1">
-            <a:spLocks/>
-          </p:cNvSpPr>
-          <p:nvPr/>
-        </p:nvSpPr>
-        <p:spPr>
-          <a:xfrm>
-            <a:off x="3278087" y="1748510"/>
+            <a:off x="1612820" y="2425847"/>
             <a:ext cx="4060688" cy="3131775"/>
           </a:xfrm>
           <a:prstGeom prst="rect">
@@ -3828,10 +3862,10 @@
       </p:sp>
       <p:pic>
         <p:nvPicPr>
-          <p:cNvPr id="2" name="Picture 1" descr="A diagram of a waterfall&#10;&#10;AI-generated content may be incorrect.">
-            <a:extLst>
-              <a:ext uri="{FF2B5EF4-FFF2-40B4-BE49-F238E27FC236}">
-                <a16:creationId xmlns:a16="http://schemas.microsoft.com/office/drawing/2014/main" id="{D7EBC66A-2784-71D9-AE9A-C5137A07A075}"/>
+          <p:cNvPr id="8" name="Picture 7">
+            <a:extLst>
+              <a:ext uri="{FF2B5EF4-FFF2-40B4-BE49-F238E27FC236}">
+                <a16:creationId xmlns:a16="http://schemas.microsoft.com/office/drawing/2014/main" id="{67EB1AA7-BE33-A1E3-F8EF-E0DF27075515}"/>
               </a:ext>
             </a:extLst>
           </p:cNvPr>
@@ -3842,13 +3876,14 @@
         </p:nvPicPr>
         <p:blipFill>
           <a:blip r:embed="rId2"/>
-          <a:srcRect l="21703" r="4989" b="-1"/>
-          <a:stretch/>
+          <a:stretch>
+            <a:fillRect/>
+          </a:stretch>
         </p:blipFill>
         <p:spPr>
           <a:xfrm>
-            <a:off x="7586648" y="1449012"/>
-            <a:ext cx="4251487" cy="3885700"/>
+            <a:off x="6351836" y="2248086"/>
+            <a:ext cx="5474452" cy="3777372"/>
           </a:xfrm>
           <a:prstGeom prst="rect">
             <a:avLst/>
@@ -3859,7 +3894,357 @@
     </p:spTree>
     <p:extLst>
       <p:ext uri="{BB962C8B-B14F-4D97-AF65-F5344CB8AC3E}">
-        <p14:creationId xmlns:p14="http://schemas.microsoft.com/office/powerpoint/2010/main" val="1731914958"/>
+        <p14:creationId xmlns:p14="http://schemas.microsoft.com/office/powerpoint/2010/main" val="510671894"/>
+      </p:ext>
+    </p:extLst>
+  </p:cSld>
+  <p:clrMapOvr>
+    <a:masterClrMapping/>
+  </p:clrMapOvr>
+</p:sld>
+</file>
+
+<file path=ppt/slides/slide4.xml><?xml version="1.0" encoding="utf-8"?>
+<p:sld xmlns:a="http://schemas.openxmlformats.org/drawingml/2006/main" xmlns:r="http://schemas.openxmlformats.org/officeDocument/2006/relationships" xmlns:p="http://schemas.openxmlformats.org/presentationml/2006/main">
+  <p:cSld>
+    <p:spTree>
+      <p:nvGrpSpPr>
+        <p:cNvPr id="1" name="">
+          <a:extLst>
+            <a:ext uri="{FF2B5EF4-FFF2-40B4-BE49-F238E27FC236}">
+              <a16:creationId xmlns:a16="http://schemas.microsoft.com/office/drawing/2014/main" id="{47ABB1CA-B016-1C41-637B-4367139921C6}"/>
+            </a:ext>
+          </a:extLst>
+        </p:cNvPr>
+        <p:cNvGrpSpPr/>
+        <p:nvPr/>
+      </p:nvGrpSpPr>
+      <p:grpSpPr>
+        <a:xfrm>
+          <a:off x="0" y="0"/>
+          <a:ext cx="0" cy="0"/>
+          <a:chOff x="0" y="0"/>
+          <a:chExt cx="0" cy="0"/>
+        </a:xfrm>
+      </p:grpSpPr>
+      <p:sp>
+        <p:nvSpPr>
+          <p:cNvPr id="3" name="Title 2">
+            <a:extLst>
+              <a:ext uri="{FF2B5EF4-FFF2-40B4-BE49-F238E27FC236}">
+                <a16:creationId xmlns:a16="http://schemas.microsoft.com/office/drawing/2014/main" id="{F5619CFF-9188-DB2A-C890-9019BC0469D6}"/>
+              </a:ext>
+            </a:extLst>
+          </p:cNvPr>
+          <p:cNvSpPr>
+            <a:spLocks noGrp="1"/>
+          </p:cNvSpPr>
+          <p:nvPr>
+            <p:ph type="title"/>
+          </p:nvPr>
+        </p:nvSpPr>
+        <p:spPr/>
+        <p:txBody>
+          <a:bodyPr/>
+          <a:lstStyle/>
+          <a:p>
+            <a:r>
+              <a:rPr lang="hr-HR" dirty="0"/>
+              <a:t>CSS</a:t>
+            </a:r>
+            <a:r>
+              <a:rPr lang="en-US" dirty="0"/>
+              <a:t>-INLINE CSS</a:t>
+            </a:r>
+            <a:endParaRPr lang="hr-HR" dirty="0"/>
+          </a:p>
+        </p:txBody>
+      </p:sp>
+      <p:sp>
+        <p:nvSpPr>
+          <p:cNvPr id="5" name="Content Placeholder 1">
+            <a:extLst>
+              <a:ext uri="{FF2B5EF4-FFF2-40B4-BE49-F238E27FC236}">
+                <a16:creationId xmlns:a16="http://schemas.microsoft.com/office/drawing/2014/main" id="{147D863E-C9E2-DA5C-E7AB-67D2E3320E64}"/>
+              </a:ext>
+            </a:extLst>
+          </p:cNvPr>
+          <p:cNvSpPr txBox="1">
+            <a:spLocks/>
+          </p:cNvSpPr>
+          <p:nvPr/>
+        </p:nvSpPr>
+        <p:spPr>
+          <a:xfrm>
+            <a:off x="1103891" y="2338918"/>
+            <a:ext cx="4060688" cy="553759"/>
+          </a:xfrm>
+          <a:prstGeom prst="rect">
+            <a:avLst/>
+          </a:prstGeom>
+        </p:spPr>
+        <p:txBody>
+          <a:bodyPr vert="horz" lIns="91440" tIns="45720" rIns="91440" bIns="45720" rtlCol="0">
+            <a:normAutofit/>
+          </a:bodyPr>
+          <a:lstStyle>
+            <a:lvl1pPr marL="0" indent="0" algn="r" defTabSz="914400" rtl="0" eaLnBrk="1" latinLnBrk="0" hangingPunct="1">
+              <a:lnSpc>
+                <a:spcPct val="90000"/>
+              </a:lnSpc>
+              <a:spcBef>
+                <a:spcPts val="1000"/>
+              </a:spcBef>
+              <a:buFont typeface="Arial" panose="020B0604020202020204" pitchFamily="34" charset="0"/>
+              <a:buNone/>
+              <a:defRPr sz="2400" kern="1200">
+                <a:solidFill>
+                  <a:schemeClr val="tx1"/>
+                </a:solidFill>
+                <a:latin typeface="Montserrat" panose="00000500000000000000" pitchFamily="2" charset="-18"/>
+                <a:ea typeface="+mn-ea"/>
+                <a:cs typeface="+mn-cs"/>
+              </a:defRPr>
+            </a:lvl1pPr>
+            <a:lvl2pPr marL="457200" indent="0" algn="ctr" defTabSz="914400" rtl="0" eaLnBrk="1" latinLnBrk="0" hangingPunct="1">
+              <a:lnSpc>
+                <a:spcPct val="90000"/>
+              </a:lnSpc>
+              <a:spcBef>
+                <a:spcPts val="500"/>
+              </a:spcBef>
+              <a:buFont typeface="Arial" panose="020B0604020202020204" pitchFamily="34" charset="0"/>
+              <a:buNone/>
+              <a:defRPr sz="2000" kern="1200">
+                <a:solidFill>
+                  <a:schemeClr val="tx1"/>
+                </a:solidFill>
+                <a:latin typeface="+mn-lt"/>
+                <a:ea typeface="+mn-ea"/>
+                <a:cs typeface="+mn-cs"/>
+              </a:defRPr>
+            </a:lvl2pPr>
+            <a:lvl3pPr marL="914400" indent="0" algn="ctr" defTabSz="914400" rtl="0" eaLnBrk="1" latinLnBrk="0" hangingPunct="1">
+              <a:lnSpc>
+                <a:spcPct val="90000"/>
+              </a:lnSpc>
+              <a:spcBef>
+                <a:spcPts val="500"/>
+              </a:spcBef>
+              <a:buFont typeface="Arial" panose="020B0604020202020204" pitchFamily="34" charset="0"/>
+              <a:buNone/>
+              <a:defRPr sz="1800" kern="1200">
+                <a:solidFill>
+                  <a:schemeClr val="tx1"/>
+                </a:solidFill>
+                <a:latin typeface="+mn-lt"/>
+                <a:ea typeface="+mn-ea"/>
+                <a:cs typeface="+mn-cs"/>
+              </a:defRPr>
+            </a:lvl3pPr>
+            <a:lvl4pPr marL="1371600" indent="0" algn="ctr" defTabSz="914400" rtl="0" eaLnBrk="1" latinLnBrk="0" hangingPunct="1">
+              <a:lnSpc>
+                <a:spcPct val="90000"/>
+              </a:lnSpc>
+              <a:spcBef>
+                <a:spcPts val="500"/>
+              </a:spcBef>
+              <a:buFont typeface="Arial" panose="020B0604020202020204" pitchFamily="34" charset="0"/>
+              <a:buNone/>
+              <a:defRPr sz="1600" kern="1200">
+                <a:solidFill>
+                  <a:schemeClr val="tx1"/>
+                </a:solidFill>
+                <a:latin typeface="+mn-lt"/>
+                <a:ea typeface="+mn-ea"/>
+                <a:cs typeface="+mn-cs"/>
+              </a:defRPr>
+            </a:lvl4pPr>
+            <a:lvl5pPr marL="1828800" indent="0" algn="ctr" defTabSz="914400" rtl="0" eaLnBrk="1" latinLnBrk="0" hangingPunct="1">
+              <a:lnSpc>
+                <a:spcPct val="90000"/>
+              </a:lnSpc>
+              <a:spcBef>
+                <a:spcPts val="500"/>
+              </a:spcBef>
+              <a:buFont typeface="Arial" panose="020B0604020202020204" pitchFamily="34" charset="0"/>
+              <a:buNone/>
+              <a:defRPr sz="1600" kern="1200">
+                <a:solidFill>
+                  <a:schemeClr val="tx1"/>
+                </a:solidFill>
+                <a:latin typeface="+mn-lt"/>
+                <a:ea typeface="+mn-ea"/>
+                <a:cs typeface="+mn-cs"/>
+              </a:defRPr>
+            </a:lvl5pPr>
+            <a:lvl6pPr marL="2286000" indent="0" algn="ctr" defTabSz="914400" rtl="0" eaLnBrk="1" latinLnBrk="0" hangingPunct="1">
+              <a:lnSpc>
+                <a:spcPct val="90000"/>
+              </a:lnSpc>
+              <a:spcBef>
+                <a:spcPts val="500"/>
+              </a:spcBef>
+              <a:buFont typeface="Arial" panose="020B0604020202020204" pitchFamily="34" charset="0"/>
+              <a:buNone/>
+              <a:defRPr sz="1600" kern="1200">
+                <a:solidFill>
+                  <a:schemeClr val="tx1"/>
+                </a:solidFill>
+                <a:latin typeface="+mn-lt"/>
+                <a:ea typeface="+mn-ea"/>
+                <a:cs typeface="+mn-cs"/>
+              </a:defRPr>
+            </a:lvl6pPr>
+            <a:lvl7pPr marL="2743200" indent="0" algn="ctr" defTabSz="914400" rtl="0" eaLnBrk="1" latinLnBrk="0" hangingPunct="1">
+              <a:lnSpc>
+                <a:spcPct val="90000"/>
+              </a:lnSpc>
+              <a:spcBef>
+                <a:spcPts val="500"/>
+              </a:spcBef>
+              <a:buFont typeface="Arial" panose="020B0604020202020204" pitchFamily="34" charset="0"/>
+              <a:buNone/>
+              <a:defRPr sz="1600" kern="1200">
+                <a:solidFill>
+                  <a:schemeClr val="tx1"/>
+                </a:solidFill>
+                <a:latin typeface="+mn-lt"/>
+                <a:ea typeface="+mn-ea"/>
+                <a:cs typeface="+mn-cs"/>
+              </a:defRPr>
+            </a:lvl7pPr>
+            <a:lvl8pPr marL="3200400" indent="0" algn="ctr" defTabSz="914400" rtl="0" eaLnBrk="1" latinLnBrk="0" hangingPunct="1">
+              <a:lnSpc>
+                <a:spcPct val="90000"/>
+              </a:lnSpc>
+              <a:spcBef>
+                <a:spcPts val="500"/>
+              </a:spcBef>
+              <a:buFont typeface="Arial" panose="020B0604020202020204" pitchFamily="34" charset="0"/>
+              <a:buNone/>
+              <a:defRPr sz="1600" kern="1200">
+                <a:solidFill>
+                  <a:schemeClr val="tx1"/>
+                </a:solidFill>
+                <a:latin typeface="+mn-lt"/>
+                <a:ea typeface="+mn-ea"/>
+                <a:cs typeface="+mn-cs"/>
+              </a:defRPr>
+            </a:lvl8pPr>
+            <a:lvl9pPr marL="3657600" indent="0" algn="ctr" defTabSz="914400" rtl="0" eaLnBrk="1" latinLnBrk="0" hangingPunct="1">
+              <a:lnSpc>
+                <a:spcPct val="90000"/>
+              </a:lnSpc>
+              <a:spcBef>
+                <a:spcPts val="500"/>
+              </a:spcBef>
+              <a:buFont typeface="Arial" panose="020B0604020202020204" pitchFamily="34" charset="0"/>
+              <a:buNone/>
+              <a:defRPr sz="1600" kern="1200">
+                <a:solidFill>
+                  <a:schemeClr val="tx1"/>
+                </a:solidFill>
+                <a:latin typeface="+mn-lt"/>
+                <a:ea typeface="+mn-ea"/>
+                <a:cs typeface="+mn-cs"/>
+              </a:defRPr>
+            </a:lvl9pPr>
+          </a:lstStyle>
+          <a:p>
+            <a:pPr algn="l"/>
+            <a:r>
+              <a:rPr lang="en-US" sz="1600" dirty="0"/>
+              <a:t>👉 Suitable when you want to quickly change the style of only one element</a:t>
+            </a:r>
+          </a:p>
+        </p:txBody>
+      </p:sp>
+      <p:sp>
+        <p:nvSpPr>
+          <p:cNvPr id="4" name="TextBox 3">
+            <a:extLst>
+              <a:ext uri="{FF2B5EF4-FFF2-40B4-BE49-F238E27FC236}">
+                <a16:creationId xmlns:a16="http://schemas.microsoft.com/office/drawing/2014/main" id="{18A93714-2FD8-DC43-CF41-CB5F78FAE2BD}"/>
+              </a:ext>
+            </a:extLst>
+          </p:cNvPr>
+          <p:cNvSpPr txBox="1"/>
+          <p:nvPr/>
+        </p:nvSpPr>
+        <p:spPr>
+          <a:xfrm>
+            <a:off x="1162310" y="4516465"/>
+            <a:ext cx="6095256" cy="1200329"/>
+          </a:xfrm>
+          <a:prstGeom prst="rect">
+            <a:avLst/>
+          </a:prstGeom>
+          <a:noFill/>
+        </p:spPr>
+        <p:txBody>
+          <a:bodyPr wrap="square">
+            <a:spAutoFit/>
+          </a:bodyPr>
+          <a:lstStyle/>
+          <a:p>
+            <a:r>
+              <a:rPr lang="en-US" dirty="0"/>
+              <a:t>Problem with Inline CSS
+🔹 Difficult to maintain</a:t>
+            </a:r>
+            <a:br>
+              <a:rPr lang="en-US" dirty="0"/>
+            </a:br>
+            <a:r>
+              <a:rPr lang="en-US" dirty="0"/>
+              <a:t>🔹 Not practical for multiple elements</a:t>
+            </a:r>
+            <a:br>
+              <a:rPr lang="en-US" dirty="0"/>
+            </a:br>
+            <a:r>
+              <a:rPr lang="en-US" dirty="0"/>
+              <a:t>🔹 It is not used often, except for quick changes</a:t>
+            </a:r>
+            <a:endParaRPr lang="hr-HR" dirty="0"/>
+          </a:p>
+        </p:txBody>
+      </p:sp>
+      <p:pic>
+        <p:nvPicPr>
+          <p:cNvPr id="7" name="Picture 6">
+            <a:extLst>
+              <a:ext uri="{FF2B5EF4-FFF2-40B4-BE49-F238E27FC236}">
+                <a16:creationId xmlns:a16="http://schemas.microsoft.com/office/drawing/2014/main" id="{039E9E88-A560-2816-8A1A-1D56969EE10F}"/>
+              </a:ext>
+            </a:extLst>
+          </p:cNvPr>
+          <p:cNvPicPr>
+            <a:picLocks noChangeAspect="1"/>
+          </p:cNvPicPr>
+          <p:nvPr/>
+        </p:nvPicPr>
+        <p:blipFill>
+          <a:blip r:embed="rId3"/>
+          <a:stretch>
+            <a:fillRect/>
+          </a:stretch>
+        </p:blipFill>
+        <p:spPr>
+          <a:xfrm>
+            <a:off x="1162310" y="3314476"/>
+            <a:ext cx="5099291" cy="552316"/>
+          </a:xfrm>
+          <a:prstGeom prst="rect">
+            <a:avLst/>
+          </a:prstGeom>
+        </p:spPr>
+      </p:pic>
+    </p:spTree>
+    <p:extLst>
+      <p:ext uri="{BB962C8B-B14F-4D97-AF65-F5344CB8AC3E}">
+        <p14:creationId xmlns:p14="http://schemas.microsoft.com/office/powerpoint/2010/main" val="3340235710"/>
       </p:ext>
     </p:extLst>
   </p:cSld>
@@ -4162,4 +4547,299 @@
     </a:ext>
   </a:extLst>
 </a:theme>
+</file>
+
+<file path=ppt/theme/theme2.xml><?xml version="1.0" encoding="utf-8"?>
+<a:theme xmlns:a="http://schemas.openxmlformats.org/drawingml/2006/main" name="Office Theme">
+  <a:themeElements>
+    <a:clrScheme name="Office">
+      <a:dk1>
+        <a:sysClr val="windowText" lastClr="000000"/>
+      </a:dk1>
+      <a:lt1>
+        <a:sysClr val="window" lastClr="FFFFFF"/>
+      </a:lt1>
+      <a:dk2>
+        <a:srgbClr val="44546A"/>
+      </a:dk2>
+      <a:lt2>
+        <a:srgbClr val="E7E6E6"/>
+      </a:lt2>
+      <a:accent1>
+        <a:srgbClr val="4472C4"/>
+      </a:accent1>
+      <a:accent2>
+        <a:srgbClr val="ED7D31"/>
+      </a:accent2>
+      <a:accent3>
+        <a:srgbClr val="A5A5A5"/>
+      </a:accent3>
+      <a:accent4>
+        <a:srgbClr val="FFC000"/>
+      </a:accent4>
+      <a:accent5>
+        <a:srgbClr val="5B9BD5"/>
+      </a:accent5>
+      <a:accent6>
+        <a:srgbClr val="70AD47"/>
+      </a:accent6>
+      <a:hlink>
+        <a:srgbClr val="0563C1"/>
+      </a:hlink>
+      <a:folHlink>
+        <a:srgbClr val="954F72"/>
+      </a:folHlink>
+    </a:clrScheme>
+    <a:fontScheme name="Office">
+      <a:majorFont>
+        <a:latin typeface="Calibri Light" panose="020F0302020204030204"/>
+        <a:ea typeface=""/>
+        <a:cs typeface=""/>
+        <a:font script="Jpan" typeface="游ゴシック Light"/>
+        <a:font script="Hang" typeface="맑은 고딕"/>
+        <a:font script="Hans" typeface="等线 Light"/>
+        <a:font script="Hant" typeface="新細明體"/>
+        <a:font script="Arab" typeface="Times New Roman"/>
+        <a:font script="Hebr" typeface="Times New Roman"/>
+        <a:font script="Thai" typeface="Angsana New"/>
+        <a:font script="Ethi" typeface="Nyala"/>
+        <a:font script="Beng" typeface="Vrinda"/>
+        <a:font script="Gujr" typeface="Shruti"/>
+        <a:font script="Khmr" typeface="MoolBoran"/>
+        <a:font script="Knda" typeface="Tunga"/>
+        <a:font script="Guru" typeface="Raavi"/>
+        <a:font script="Cans" typeface="Euphemia"/>
+        <a:font script="Cher" typeface="Plantagenet Cherokee"/>
+        <a:font script="Yiii" typeface="Microsoft Yi Baiti"/>
+        <a:font script="Tibt" typeface="Microsoft Himalaya"/>
+        <a:font script="Thaa" typeface="MV Boli"/>
+        <a:font script="Deva" typeface="Mangal"/>
+        <a:font script="Telu" typeface="Gautami"/>
+        <a:font script="Taml" typeface="Latha"/>
+        <a:font script="Syrc" typeface="Estrangelo Edessa"/>
+        <a:font script="Orya" typeface="Kalinga"/>
+        <a:font script="Mlym" typeface="Kartika"/>
+        <a:font script="Laoo" typeface="DokChampa"/>
+        <a:font script="Sinh" typeface="Iskoola Pota"/>
+        <a:font script="Mong" typeface="Mongolian Baiti"/>
+        <a:font script="Viet" typeface="Times New Roman"/>
+        <a:font script="Uigh" typeface="Microsoft Uighur"/>
+        <a:font script="Geor" typeface="Sylfaen"/>
+        <a:font script="Armn" typeface="Arial"/>
+        <a:font script="Bugi" typeface="Leelawadee UI"/>
+        <a:font script="Bopo" typeface="Microsoft JhengHei"/>
+        <a:font script="Java" typeface="Javanese Text"/>
+        <a:font script="Lisu" typeface="Segoe UI"/>
+        <a:font script="Mymr" typeface="Myanmar Text"/>
+        <a:font script="Nkoo" typeface="Ebrima"/>
+        <a:font script="Olck" typeface="Nirmala UI"/>
+        <a:font script="Osma" typeface="Ebrima"/>
+        <a:font script="Phag" typeface="Phagspa"/>
+        <a:font script="Syrn" typeface="Estrangelo Edessa"/>
+        <a:font script="Syrj" typeface="Estrangelo Edessa"/>
+        <a:font script="Syre" typeface="Estrangelo Edessa"/>
+        <a:font script="Sora" typeface="Nirmala UI"/>
+        <a:font script="Tale" typeface="Microsoft Tai Le"/>
+        <a:font script="Talu" typeface="Microsoft New Tai Lue"/>
+        <a:font script="Tfng" typeface="Ebrima"/>
+      </a:majorFont>
+      <a:minorFont>
+        <a:latin typeface="Calibri" panose="020F0502020204030204"/>
+        <a:ea typeface=""/>
+        <a:cs typeface=""/>
+        <a:font script="Jpan" typeface="游ゴシック"/>
+        <a:font script="Hang" typeface="맑은 고딕"/>
+        <a:font script="Hans" typeface="等线"/>
+        <a:font script="Hant" typeface="新細明體"/>
+        <a:font script="Arab" typeface="Arial"/>
+        <a:font script="Hebr" typeface="Arial"/>
+        <a:font script="Thai" typeface="Cordia New"/>
+        <a:font script="Ethi" typeface="Nyala"/>
+        <a:font script="Beng" typeface="Vrinda"/>
+        <a:font script="Gujr" typeface="Shruti"/>
+        <a:font script="Khmr" typeface="DaunPenh"/>
+        <a:font script="Knda" typeface="Tunga"/>
+        <a:font script="Guru" typeface="Raavi"/>
+        <a:font script="Cans" typeface="Euphemia"/>
+        <a:font script="Cher" typeface="Plantagenet Cherokee"/>
+        <a:font script="Yiii" typeface="Microsoft Yi Baiti"/>
+        <a:font script="Tibt" typeface="Microsoft Himalaya"/>
+        <a:font script="Thaa" typeface="MV Boli"/>
+        <a:font script="Deva" typeface="Mangal"/>
+        <a:font script="Telu" typeface="Gautami"/>
+        <a:font script="Taml" typeface="Latha"/>
+        <a:font script="Syrc" typeface="Estrangelo Edessa"/>
+        <a:font script="Orya" typeface="Kalinga"/>
+        <a:font script="Mlym" typeface="Kartika"/>
+        <a:font script="Laoo" typeface="DokChampa"/>
+        <a:font script="Sinh" typeface="Iskoola Pota"/>
+        <a:font script="Mong" typeface="Mongolian Baiti"/>
+        <a:font script="Viet" typeface="Arial"/>
+        <a:font script="Uigh" typeface="Microsoft Uighur"/>
+        <a:font script="Geor" typeface="Sylfaen"/>
+        <a:font script="Armn" typeface="Arial"/>
+        <a:font script="Bugi" typeface="Leelawadee UI"/>
+        <a:font script="Bopo" typeface="Microsoft JhengHei"/>
+        <a:font script="Java" typeface="Javanese Text"/>
+        <a:font script="Lisu" typeface="Segoe UI"/>
+        <a:font script="Mymr" typeface="Myanmar Text"/>
+        <a:font script="Nkoo" typeface="Ebrima"/>
+        <a:font script="Olck" typeface="Nirmala UI"/>
+        <a:font script="Osma" typeface="Ebrima"/>
+        <a:font script="Phag" typeface="Phagspa"/>
+        <a:font script="Syrn" typeface="Estrangelo Edessa"/>
+        <a:font script="Syrj" typeface="Estrangelo Edessa"/>
+        <a:font script="Syre" typeface="Estrangelo Edessa"/>
+        <a:font script="Sora" typeface="Nirmala UI"/>
+        <a:font script="Tale" typeface="Microsoft Tai Le"/>
+        <a:font script="Talu" typeface="Microsoft New Tai Lue"/>
+        <a:font script="Tfng" typeface="Ebrima"/>
+      </a:minorFont>
+    </a:fontScheme>
+    <a:fmtScheme name="Office">
+      <a:fillStyleLst>
+        <a:solidFill>
+          <a:schemeClr val="phClr"/>
+        </a:solidFill>
+        <a:gradFill rotWithShape="1">
+          <a:gsLst>
+            <a:gs pos="0">
+              <a:schemeClr val="phClr">
+                <a:lumMod val="110000"/>
+                <a:satMod val="105000"/>
+                <a:tint val="67000"/>
+              </a:schemeClr>
+            </a:gs>
+            <a:gs pos="50000">
+              <a:schemeClr val="phClr">
+                <a:lumMod val="105000"/>
+                <a:satMod val="103000"/>
+                <a:tint val="73000"/>
+              </a:schemeClr>
+            </a:gs>
+            <a:gs pos="100000">
+              <a:schemeClr val="phClr">
+                <a:lumMod val="105000"/>
+                <a:satMod val="109000"/>
+                <a:tint val="81000"/>
+              </a:schemeClr>
+            </a:gs>
+          </a:gsLst>
+          <a:lin ang="5400000" scaled="0"/>
+        </a:gradFill>
+        <a:gradFill rotWithShape="1">
+          <a:gsLst>
+            <a:gs pos="0">
+              <a:schemeClr val="phClr">
+                <a:satMod val="103000"/>
+                <a:lumMod val="102000"/>
+                <a:tint val="94000"/>
+              </a:schemeClr>
+            </a:gs>
+            <a:gs pos="50000">
+              <a:schemeClr val="phClr">
+                <a:satMod val="110000"/>
+                <a:lumMod val="100000"/>
+                <a:shade val="100000"/>
+              </a:schemeClr>
+            </a:gs>
+            <a:gs pos="100000">
+              <a:schemeClr val="phClr">
+                <a:lumMod val="99000"/>
+                <a:satMod val="120000"/>
+                <a:shade val="78000"/>
+              </a:schemeClr>
+            </a:gs>
+          </a:gsLst>
+          <a:lin ang="5400000" scaled="0"/>
+        </a:gradFill>
+      </a:fillStyleLst>
+      <a:lnStyleLst>
+        <a:ln w="6350" cap="flat" cmpd="sng" algn="ctr">
+          <a:solidFill>
+            <a:schemeClr val="phClr"/>
+          </a:solidFill>
+          <a:prstDash val="solid"/>
+          <a:miter lim="800000"/>
+        </a:ln>
+        <a:ln w="12700" cap="flat" cmpd="sng" algn="ctr">
+          <a:solidFill>
+            <a:schemeClr val="phClr"/>
+          </a:solidFill>
+          <a:prstDash val="solid"/>
+          <a:miter lim="800000"/>
+        </a:ln>
+        <a:ln w="19050" cap="flat" cmpd="sng" algn="ctr">
+          <a:solidFill>
+            <a:schemeClr val="phClr"/>
+          </a:solidFill>
+          <a:prstDash val="solid"/>
+          <a:miter lim="800000"/>
+        </a:ln>
+      </a:lnStyleLst>
+      <a:effectStyleLst>
+        <a:effectStyle>
+          <a:effectLst/>
+        </a:effectStyle>
+        <a:effectStyle>
+          <a:effectLst/>
+        </a:effectStyle>
+        <a:effectStyle>
+          <a:effectLst>
+            <a:outerShdw blurRad="57150" dist="19050" dir="5400000" algn="ctr" rotWithShape="0">
+              <a:srgbClr val="000000">
+                <a:alpha val="63000"/>
+              </a:srgbClr>
+            </a:outerShdw>
+          </a:effectLst>
+        </a:effectStyle>
+      </a:effectStyleLst>
+      <a:bgFillStyleLst>
+        <a:solidFill>
+          <a:schemeClr val="phClr"/>
+        </a:solidFill>
+        <a:solidFill>
+          <a:schemeClr val="phClr">
+            <a:tint val="95000"/>
+            <a:satMod val="170000"/>
+          </a:schemeClr>
+        </a:solidFill>
+        <a:gradFill rotWithShape="1">
+          <a:gsLst>
+            <a:gs pos="0">
+              <a:schemeClr val="phClr">
+                <a:tint val="93000"/>
+                <a:satMod val="150000"/>
+                <a:shade val="98000"/>
+                <a:lumMod val="102000"/>
+              </a:schemeClr>
+            </a:gs>
+            <a:gs pos="50000">
+              <a:schemeClr val="phClr">
+                <a:tint val="98000"/>
+                <a:satMod val="130000"/>
+                <a:shade val="90000"/>
+                <a:lumMod val="103000"/>
+              </a:schemeClr>
+            </a:gs>
+            <a:gs pos="100000">
+              <a:schemeClr val="phClr">
+                <a:shade val="63000"/>
+                <a:satMod val="120000"/>
+              </a:schemeClr>
+            </a:gs>
+          </a:gsLst>
+          <a:lin ang="5400000" scaled="0"/>
+        </a:gradFill>
+      </a:bgFillStyleLst>
+    </a:fmtScheme>
+  </a:themeElements>
+  <a:objectDefaults/>
+  <a:extraClrSchemeLst/>
+  <a:extLst>
+    <a:ext uri="{05A4C25C-085E-4340-85A3-A5531E510DB2}">
+      <thm15:themeFamily xmlns:thm15="http://schemas.microsoft.com/office/thememl/2012/main" name="Office Theme" id="{62F939B6-93AF-4DB8-9C6B-D6C7DFDC589F}" vid="{4A3C46E8-61CC-4603-A589-7422A47A8E4A}"/>
+    </a:ext>
+  </a:extLst>
+</a:theme>
 </file>